--- a/slides/01.01-intelligent-apps.pptx
+++ b/slides/01.01-intelligent-apps.pptx
@@ -27,7 +27,7 @@
     <p:sldId id="410" r:id="rId15"/>
     <p:sldId id="403" r:id="rId16"/>
     <p:sldId id="406" r:id="rId17"/>
-    <p:sldId id="379" r:id="rId18"/>
+    <p:sldId id="411" r:id="rId18"/>
   </p:sldIdLst>
   <p:sldSz cx="9144000" cy="5143500" type="screen16x9"/>
   <p:notesSz cx="6858000" cy="9144000"/>
@@ -4244,7 +4244,7 @@
                 <a:tabLst/>
                 <a:defRPr/>
               </a:pPr>
-              <a:t>10/17/2017 1:05 PM</a:t>
+              <a:t>10/17/2017 2:10 PM</a:t>
             </a:fld>
             <a:endParaRPr kumimoji="0" lang="en-US" sz="1200" b="0" i="0" u="none" strike="noStrike" kern="1200" cap="none" spc="0" normalizeH="0" baseline="0" noProof="0">
               <a:ln>
@@ -4778,7 +4778,7 @@
                 <a:tabLst/>
                 <a:defRPr/>
               </a:pPr>
-              <a:t>10/17/2017 1:05 PM</a:t>
+              <a:t>10/17/2017 2:10 PM</a:t>
             </a:fld>
             <a:endParaRPr kumimoji="0" lang="en-US" sz="1200" b="0" i="0" u="none" strike="noStrike" kern="1200" cap="none" spc="0" normalizeH="0" baseline="0" noProof="0">
               <a:ln>
@@ -5199,7 +5199,7 @@
                 <a:tabLst/>
                 <a:defRPr/>
               </a:pPr>
-              <a:t>10/17/2017 1:05 PM</a:t>
+              <a:t>10/17/2017 2:11 PM</a:t>
             </a:fld>
             <a:endParaRPr kumimoji="0" lang="en-US" sz="1200" b="0" i="0" u="none" strike="noStrike" kern="1200" cap="none" spc="0" normalizeH="0" baseline="0" noProof="0">
               <a:ln>
@@ -5304,7 +5304,7 @@
     </p:spTree>
     <p:extLst>
       <p:ext uri="{BB962C8B-B14F-4D97-AF65-F5344CB8AC3E}">
-        <p14:creationId xmlns:p14="http://schemas.microsoft.com/office/powerpoint/2010/main" val="2858358363"/>
+        <p14:creationId xmlns:p14="http://schemas.microsoft.com/office/powerpoint/2010/main" val="135387299"/>
       </p:ext>
     </p:extLst>
   </p:cSld>
@@ -10444,85 +10444,6 @@
 </file>
 
 <file path=ppt/slideLayouts/slideLayout17.xml><?xml version="1.0" encoding="utf-8"?>
-<p:sldLayout xmlns:a="http://schemas.openxmlformats.org/drawingml/2006/main" xmlns:r="http://schemas.openxmlformats.org/officeDocument/2006/relationships" xmlns:p="http://schemas.openxmlformats.org/presentationml/2006/main" userDrawn="1">
-  <p:cSld name="1_Section Title">
-    <p:bg>
-      <p:bgPr>
-        <a:solidFill>
-          <a:schemeClr val="tx1"/>
-        </a:solidFill>
-        <a:effectLst/>
-      </p:bgPr>
-    </p:bg>
-    <p:spTree>
-      <p:nvGrpSpPr>
-        <p:cNvPr id="1" name=""/>
-        <p:cNvGrpSpPr/>
-        <p:nvPr/>
-      </p:nvGrpSpPr>
-      <p:grpSpPr>
-        <a:xfrm>
-          <a:off x="0" y="0"/>
-          <a:ext cx="0" cy="0"/>
-          <a:chOff x="0" y="0"/>
-          <a:chExt cx="0" cy="0"/>
-        </a:xfrm>
-      </p:grpSpPr>
-      <p:sp>
-        <p:nvSpPr>
-          <p:cNvPr id="2" name="Title 1"/>
-          <p:cNvSpPr>
-            <a:spLocks noGrp="1"/>
-          </p:cNvSpPr>
-          <p:nvPr>
-            <p:ph type="title" hasCustomPrompt="1"/>
-          </p:nvPr>
-        </p:nvSpPr>
-        <p:spPr>
-          <a:xfrm>
-            <a:off x="201930" y="1563129"/>
-            <a:ext cx="8740142" cy="869095"/>
-          </a:xfrm>
-          <a:noFill/>
-        </p:spPr>
-        <p:txBody>
-          <a:bodyPr tIns="91440" bIns="91440" anchor="t" anchorCtr="0">
-            <a:spAutoFit/>
-          </a:bodyPr>
-          <a:lstStyle>
-            <a:lvl1pPr>
-              <a:defRPr sz="5293" spc="-74" baseline="0">
-                <a:solidFill>
-                  <a:schemeClr val="bg1"/>
-                </a:solidFill>
-              </a:defRPr>
-            </a:lvl1pPr>
-          </a:lstStyle>
-          <a:p>
-            <a:r>
-              <a:rPr lang="en-US"/>
-              <a:t>Section title</a:t>
-            </a:r>
-          </a:p>
-        </p:txBody>
-      </p:sp>
-    </p:spTree>
-    <p:extLst>
-      <p:ext uri="{BB962C8B-B14F-4D97-AF65-F5344CB8AC3E}">
-        <p14:creationId xmlns:p14="http://schemas.microsoft.com/office/powerpoint/2010/main" val="1980221676"/>
-      </p:ext>
-    </p:extLst>
-  </p:cSld>
-  <p:clrMapOvr>
-    <a:masterClrMapping/>
-  </p:clrMapOvr>
-  <p:transition>
-    <p:fade/>
-  </p:transition>
-</p:sldLayout>
-</file>
-
-<file path=ppt/slideLayouts/slideLayout18.xml><?xml version="1.0" encoding="utf-8"?>
 <p:sldLayout xmlns:a="http://schemas.openxmlformats.org/drawingml/2006/main" xmlns:r="http://schemas.openxmlformats.org/officeDocument/2006/relationships" xmlns:p="http://schemas.openxmlformats.org/presentationml/2006/main" preserve="1" userDrawn="1">
   <p:cSld name="Title Slide">
     <p:bg>
@@ -10768,7 +10689,7 @@
 </p:sldLayout>
 </file>
 
-<file path=ppt/slideLayouts/slideLayout19.xml><?xml version="1.0" encoding="utf-8"?>
+<file path=ppt/slideLayouts/slideLayout18.xml><?xml version="1.0" encoding="utf-8"?>
 <p:sldLayout xmlns:a="http://schemas.openxmlformats.org/drawingml/2006/main" xmlns:r="http://schemas.openxmlformats.org/officeDocument/2006/relationships" xmlns:p="http://schemas.openxmlformats.org/presentationml/2006/main" preserve="1" userDrawn="1">
   <p:cSld name="Title &amp; Non-bulleted text">
     <p:spTree>
@@ -10893,6 +10814,126 @@
     <p:extLst>
       <p:ext uri="{BB962C8B-B14F-4D97-AF65-F5344CB8AC3E}">
         <p14:creationId xmlns:p14="http://schemas.microsoft.com/office/powerpoint/2010/main" val="694247069"/>
+      </p:ext>
+    </p:extLst>
+  </p:cSld>
+  <p:clrMapOvr>
+    <a:masterClrMapping/>
+  </p:clrMapOvr>
+  <mc:AlternateContent xmlns:mc="http://schemas.openxmlformats.org/markup-compatibility/2006" xmlns:p14="http://schemas.microsoft.com/office/powerpoint/2010/main">
+    <mc:Choice Requires="p14">
+      <p:transition spd="med" p14:dur="700">
+        <p:fade/>
+      </p:transition>
+    </mc:Choice>
+    <mc:Fallback xmlns="">
+      <p:transition spd="med">
+        <p:fade/>
+      </p:transition>
+    </mc:Fallback>
+  </mc:AlternateContent>
+</p:sldLayout>
+</file>
+
+<file path=ppt/slideLayouts/slideLayout19.xml><?xml version="1.0" encoding="utf-8"?>
+<p:sldLayout xmlns:a="http://schemas.openxmlformats.org/drawingml/2006/main" xmlns:r="http://schemas.openxmlformats.org/officeDocument/2006/relationships" xmlns:p="http://schemas.openxmlformats.org/presentationml/2006/main" preserve="1" userDrawn="1">
+  <p:cSld name="Title and Content">
+    <p:spTree>
+      <p:nvGrpSpPr>
+        <p:cNvPr id="1" name=""/>
+        <p:cNvGrpSpPr/>
+        <p:nvPr/>
+      </p:nvGrpSpPr>
+      <p:grpSpPr>
+        <a:xfrm>
+          <a:off x="0" y="0"/>
+          <a:ext cx="0" cy="0"/>
+          <a:chOff x="0" y="0"/>
+          <a:chExt cx="0" cy="0"/>
+        </a:xfrm>
+      </p:grpSpPr>
+      <p:sp>
+        <p:nvSpPr>
+          <p:cNvPr id="6" name="Title 5"/>
+          <p:cNvSpPr>
+            <a:spLocks noGrp="1"/>
+          </p:cNvSpPr>
+          <p:nvPr>
+            <p:ph type="title"/>
+          </p:nvPr>
+        </p:nvSpPr>
+        <p:spPr/>
+        <p:txBody>
+          <a:bodyPr/>
+          <a:lstStyle/>
+          <a:p>
+            <a:r>
+              <a:rPr lang="en-US"/>
+              <a:t>Click to edit Master title style</a:t>
+            </a:r>
+          </a:p>
+        </p:txBody>
+      </p:sp>
+      <p:sp>
+        <p:nvSpPr>
+          <p:cNvPr id="3" name="Text Placeholder 2"/>
+          <p:cNvSpPr>
+            <a:spLocks noGrp="1"/>
+          </p:cNvSpPr>
+          <p:nvPr>
+            <p:ph type="body" sz="quarter" idx="10"/>
+          </p:nvPr>
+        </p:nvSpPr>
+        <p:spPr>
+          <a:xfrm>
+            <a:off x="201977" y="890733"/>
+            <a:ext cx="8741309" cy="1746440"/>
+          </a:xfrm>
+        </p:spPr>
+        <p:txBody>
+          <a:bodyPr/>
+          <a:lstStyle/>
+          <a:p>
+            <a:pPr lvl="0"/>
+            <a:r>
+              <a:rPr lang="en-US"/>
+              <a:t>Edit Master text styles</a:t>
+            </a:r>
+          </a:p>
+          <a:p>
+            <a:pPr lvl="1"/>
+            <a:r>
+              <a:rPr lang="en-US"/>
+              <a:t>Second level</a:t>
+            </a:r>
+          </a:p>
+          <a:p>
+            <a:pPr lvl="2"/>
+            <a:r>
+              <a:rPr lang="en-US"/>
+              <a:t>Third level</a:t>
+            </a:r>
+          </a:p>
+          <a:p>
+            <a:pPr lvl="3"/>
+            <a:r>
+              <a:rPr lang="en-US"/>
+              <a:t>Fourth level</a:t>
+            </a:r>
+          </a:p>
+          <a:p>
+            <a:pPr lvl="4"/>
+            <a:r>
+              <a:rPr lang="en-US"/>
+              <a:t>Fifth level</a:t>
+            </a:r>
+          </a:p>
+        </p:txBody>
+      </p:sp>
+    </p:spTree>
+    <p:extLst>
+      <p:ext uri="{BB962C8B-B14F-4D97-AF65-F5344CB8AC3E}">
+        <p14:creationId xmlns:p14="http://schemas.microsoft.com/office/powerpoint/2010/main" val="3329794"/>
       </p:ext>
     </p:extLst>
   </p:cSld>
@@ -11125,126 +11166,6 @@
 </file>
 
 <file path=ppt/slideLayouts/slideLayout20.xml><?xml version="1.0" encoding="utf-8"?>
-<p:sldLayout xmlns:a="http://schemas.openxmlformats.org/drawingml/2006/main" xmlns:r="http://schemas.openxmlformats.org/officeDocument/2006/relationships" xmlns:p="http://schemas.openxmlformats.org/presentationml/2006/main" preserve="1" userDrawn="1">
-  <p:cSld name="Title and Content">
-    <p:spTree>
-      <p:nvGrpSpPr>
-        <p:cNvPr id="1" name=""/>
-        <p:cNvGrpSpPr/>
-        <p:nvPr/>
-      </p:nvGrpSpPr>
-      <p:grpSpPr>
-        <a:xfrm>
-          <a:off x="0" y="0"/>
-          <a:ext cx="0" cy="0"/>
-          <a:chOff x="0" y="0"/>
-          <a:chExt cx="0" cy="0"/>
-        </a:xfrm>
-      </p:grpSpPr>
-      <p:sp>
-        <p:nvSpPr>
-          <p:cNvPr id="6" name="Title 5"/>
-          <p:cNvSpPr>
-            <a:spLocks noGrp="1"/>
-          </p:cNvSpPr>
-          <p:nvPr>
-            <p:ph type="title"/>
-          </p:nvPr>
-        </p:nvSpPr>
-        <p:spPr/>
-        <p:txBody>
-          <a:bodyPr/>
-          <a:lstStyle/>
-          <a:p>
-            <a:r>
-              <a:rPr lang="en-US"/>
-              <a:t>Click to edit Master title style</a:t>
-            </a:r>
-          </a:p>
-        </p:txBody>
-      </p:sp>
-      <p:sp>
-        <p:nvSpPr>
-          <p:cNvPr id="3" name="Text Placeholder 2"/>
-          <p:cNvSpPr>
-            <a:spLocks noGrp="1"/>
-          </p:cNvSpPr>
-          <p:nvPr>
-            <p:ph type="body" sz="quarter" idx="10"/>
-          </p:nvPr>
-        </p:nvSpPr>
-        <p:spPr>
-          <a:xfrm>
-            <a:off x="201977" y="890733"/>
-            <a:ext cx="8741309" cy="1746440"/>
-          </a:xfrm>
-        </p:spPr>
-        <p:txBody>
-          <a:bodyPr/>
-          <a:lstStyle/>
-          <a:p>
-            <a:pPr lvl="0"/>
-            <a:r>
-              <a:rPr lang="en-US"/>
-              <a:t>Edit Master text styles</a:t>
-            </a:r>
-          </a:p>
-          <a:p>
-            <a:pPr lvl="1"/>
-            <a:r>
-              <a:rPr lang="en-US"/>
-              <a:t>Second level</a:t>
-            </a:r>
-          </a:p>
-          <a:p>
-            <a:pPr lvl="2"/>
-            <a:r>
-              <a:rPr lang="en-US"/>
-              <a:t>Third level</a:t>
-            </a:r>
-          </a:p>
-          <a:p>
-            <a:pPr lvl="3"/>
-            <a:r>
-              <a:rPr lang="en-US"/>
-              <a:t>Fourth level</a:t>
-            </a:r>
-          </a:p>
-          <a:p>
-            <a:pPr lvl="4"/>
-            <a:r>
-              <a:rPr lang="en-US"/>
-              <a:t>Fifth level</a:t>
-            </a:r>
-          </a:p>
-        </p:txBody>
-      </p:sp>
-    </p:spTree>
-    <p:extLst>
-      <p:ext uri="{BB962C8B-B14F-4D97-AF65-F5344CB8AC3E}">
-        <p14:creationId xmlns:p14="http://schemas.microsoft.com/office/powerpoint/2010/main" val="3329794"/>
-      </p:ext>
-    </p:extLst>
-  </p:cSld>
-  <p:clrMapOvr>
-    <a:masterClrMapping/>
-  </p:clrMapOvr>
-  <mc:AlternateContent xmlns:mc="http://schemas.openxmlformats.org/markup-compatibility/2006" xmlns:p14="http://schemas.microsoft.com/office/powerpoint/2010/main">
-    <mc:Choice Requires="p14">
-      <p:transition spd="med" p14:dur="700">
-        <p:fade/>
-      </p:transition>
-    </mc:Choice>
-    <mc:Fallback xmlns="">
-      <p:transition spd="med">
-        <p:fade/>
-      </p:transition>
-    </mc:Fallback>
-  </mc:AlternateContent>
-</p:sldLayout>
-</file>
-
-<file path=ppt/slideLayouts/slideLayout21.xml><?xml version="1.0" encoding="utf-8"?>
 <p:sldLayout xmlns:a="http://schemas.openxmlformats.org/drawingml/2006/main" xmlns:r="http://schemas.openxmlformats.org/officeDocument/2006/relationships" xmlns:p="http://schemas.openxmlformats.org/presentationml/2006/main" preserve="1" userDrawn="1">
   <p:cSld name="Two Column Non-bulleted text">
     <p:spTree>
@@ -11636,7 +11557,7 @@
 </p:sldLayout>
 </file>
 
-<file path=ppt/slideLayouts/slideLayout22.xml><?xml version="1.0" encoding="utf-8"?>
+<file path=ppt/slideLayouts/slideLayout21.xml><?xml version="1.0" encoding="utf-8"?>
 <p:sldLayout xmlns:a="http://schemas.openxmlformats.org/drawingml/2006/main" xmlns:r="http://schemas.openxmlformats.org/officeDocument/2006/relationships" xmlns:p="http://schemas.openxmlformats.org/presentationml/2006/main" preserve="1" userDrawn="1">
   <p:cSld name="Two Column Bullet text">
     <p:spTree>
@@ -12030,7 +11951,7 @@
 </p:sldLayout>
 </file>
 
-<file path=ppt/slideLayouts/slideLayout23.xml><?xml version="1.0" encoding="utf-8"?>
+<file path=ppt/slideLayouts/slideLayout22.xml><?xml version="1.0" encoding="utf-8"?>
 <p:sldLayout xmlns:a="http://schemas.openxmlformats.org/drawingml/2006/main" xmlns:r="http://schemas.openxmlformats.org/officeDocument/2006/relationships" xmlns:p="http://schemas.openxmlformats.org/presentationml/2006/main" preserve="1" userDrawn="1">
   <p:cSld name="Title Only">
     <p:spTree>
@@ -12094,7 +12015,7 @@
 </p:sldLayout>
 </file>
 
-<file path=ppt/slideLayouts/slideLayout24.xml><?xml version="1.0" encoding="utf-8"?>
+<file path=ppt/slideLayouts/slideLayout23.xml><?xml version="1.0" encoding="utf-8"?>
 <p:sldLayout xmlns:a="http://schemas.openxmlformats.org/drawingml/2006/main" xmlns:r="http://schemas.openxmlformats.org/officeDocument/2006/relationships" xmlns:p="http://schemas.openxmlformats.org/presentationml/2006/main" preserve="1" userDrawn="1">
   <p:cSld name="Demo slide">
     <p:bg>
@@ -12242,7 +12163,7 @@
 </p:sldLayout>
 </file>
 
-<file path=ppt/slideLayouts/slideLayout25.xml><?xml version="1.0" encoding="utf-8"?>
+<file path=ppt/slideLayouts/slideLayout24.xml><?xml version="1.0" encoding="utf-8"?>
 <p:sldLayout xmlns:a="http://schemas.openxmlformats.org/drawingml/2006/main" xmlns:r="http://schemas.openxmlformats.org/officeDocument/2006/relationships" xmlns:p="http://schemas.openxmlformats.org/presentationml/2006/main" preserve="1" userDrawn="1">
   <p:cSld name="Video slide">
     <p:bg>
@@ -12345,7 +12266,7 @@
 </p:sldLayout>
 </file>
 
-<file path=ppt/slideLayouts/slideLayout26.xml><?xml version="1.0" encoding="utf-8"?>
+<file path=ppt/slideLayouts/slideLayout25.xml><?xml version="1.0" encoding="utf-8"?>
 <p:sldLayout xmlns:a="http://schemas.openxmlformats.org/drawingml/2006/main" xmlns:r="http://schemas.openxmlformats.org/officeDocument/2006/relationships" xmlns:p="http://schemas.openxmlformats.org/presentationml/2006/main" preserve="1" userDrawn="1">
   <p:cSld name="Section Title">
     <p:spTree>
@@ -12433,7 +12354,7 @@
 </p:sldLayout>
 </file>
 
-<file path=ppt/slideLayouts/slideLayout27.xml><?xml version="1.0" encoding="utf-8"?>
+<file path=ppt/slideLayouts/slideLayout26.xml><?xml version="1.0" encoding="utf-8"?>
 <p:sldLayout xmlns:a="http://schemas.openxmlformats.org/drawingml/2006/main" xmlns:r="http://schemas.openxmlformats.org/officeDocument/2006/relationships" xmlns:p="http://schemas.openxmlformats.org/presentationml/2006/main" preserve="1" userDrawn="1">
   <p:cSld name="Section Title Accent Color 1">
     <p:bg>
@@ -12529,7 +12450,7 @@
 </p:sldLayout>
 </file>
 
-<file path=ppt/slideLayouts/slideLayout28.xml><?xml version="1.0" encoding="utf-8"?>
+<file path=ppt/slideLayouts/slideLayout27.xml><?xml version="1.0" encoding="utf-8"?>
 <p:sldLayout xmlns:a="http://schemas.openxmlformats.org/drawingml/2006/main" xmlns:r="http://schemas.openxmlformats.org/officeDocument/2006/relationships" xmlns:p="http://schemas.openxmlformats.org/presentationml/2006/main" preserve="1" userDrawn="1">
   <p:cSld name="Square Right Photo Layout">
     <p:spTree>
@@ -12683,7 +12604,7 @@
 </p:sldLayout>
 </file>
 
-<file path=ppt/slideLayouts/slideLayout29.xml><?xml version="1.0" encoding="utf-8"?>
+<file path=ppt/slideLayouts/slideLayout28.xml><?xml version="1.0" encoding="utf-8"?>
 <p:sldLayout xmlns:a="http://schemas.openxmlformats.org/drawingml/2006/main" xmlns:r="http://schemas.openxmlformats.org/officeDocument/2006/relationships" xmlns:p="http://schemas.openxmlformats.org/presentationml/2006/main" preserve="1" userDrawn="1">
   <p:cSld name="Blank">
     <p:spTree>
@@ -12709,6 +12630,56 @@
   </p:cSld>
   <p:clrMapOvr>
     <a:masterClrMapping/>
+  </p:clrMapOvr>
+  <mc:AlternateContent xmlns:mc="http://schemas.openxmlformats.org/markup-compatibility/2006" xmlns:p14="http://schemas.microsoft.com/office/powerpoint/2010/main">
+    <mc:Choice Requires="p14">
+      <p:transition spd="med" p14:dur="700">
+        <p:fade/>
+      </p:transition>
+    </mc:Choice>
+    <mc:Fallback xmlns="">
+      <p:transition spd="med">
+        <p:fade/>
+      </p:transition>
+    </mc:Fallback>
+  </mc:AlternateContent>
+</p:sldLayout>
+</file>
+
+<file path=ppt/slideLayouts/slideLayout29.xml><?xml version="1.0" encoding="utf-8"?>
+<p:sldLayout xmlns:a="http://schemas.openxmlformats.org/drawingml/2006/main" xmlns:r="http://schemas.openxmlformats.org/officeDocument/2006/relationships" xmlns:p="http://schemas.openxmlformats.org/presentationml/2006/main" preserve="1" userDrawn="1">
+  <p:cSld name="Blank Accent Color 1">
+    <p:bg>
+      <p:bgPr>
+        <a:solidFill>
+          <a:schemeClr val="accent1"/>
+        </a:solidFill>
+        <a:effectLst/>
+      </p:bgPr>
+    </p:bg>
+    <p:spTree>
+      <p:nvGrpSpPr>
+        <p:cNvPr id="1" name=""/>
+        <p:cNvGrpSpPr/>
+        <p:nvPr/>
+      </p:nvGrpSpPr>
+      <p:grpSpPr>
+        <a:xfrm>
+          <a:off x="0" y="0"/>
+          <a:ext cx="0" cy="0"/>
+          <a:chOff x="0" y="0"/>
+          <a:chExt cx="0" cy="0"/>
+        </a:xfrm>
+      </p:grpSpPr>
+    </p:spTree>
+    <p:extLst>
+      <p:ext uri="{BB962C8B-B14F-4D97-AF65-F5344CB8AC3E}">
+        <p14:creationId xmlns:p14="http://schemas.microsoft.com/office/powerpoint/2010/main" val="2336894677"/>
+      </p:ext>
+    </p:extLst>
+  </p:cSld>
+  <p:clrMapOvr>
+    <a:overrideClrMapping bg1="dk1" tx1="lt1" bg2="dk2" tx2="lt2" accent1="accent1" accent2="accent2" accent3="accent3" accent4="accent4" accent5="accent5" accent6="accent6" hlink="hlink" folHlink="folHlink"/>
   </p:clrMapOvr>
   <mc:AlternateContent xmlns:mc="http://schemas.openxmlformats.org/markup-compatibility/2006" xmlns:p14="http://schemas.microsoft.com/office/powerpoint/2010/main">
     <mc:Choice Requires="p14">
@@ -13250,56 +13221,6 @@
 
 <file path=ppt/slideLayouts/slideLayout30.xml><?xml version="1.0" encoding="utf-8"?>
 <p:sldLayout xmlns:a="http://schemas.openxmlformats.org/drawingml/2006/main" xmlns:r="http://schemas.openxmlformats.org/officeDocument/2006/relationships" xmlns:p="http://schemas.openxmlformats.org/presentationml/2006/main" preserve="1" userDrawn="1">
-  <p:cSld name="Blank Accent Color 1">
-    <p:bg>
-      <p:bgPr>
-        <a:solidFill>
-          <a:schemeClr val="accent1"/>
-        </a:solidFill>
-        <a:effectLst/>
-      </p:bgPr>
-    </p:bg>
-    <p:spTree>
-      <p:nvGrpSpPr>
-        <p:cNvPr id="1" name=""/>
-        <p:cNvGrpSpPr/>
-        <p:nvPr/>
-      </p:nvGrpSpPr>
-      <p:grpSpPr>
-        <a:xfrm>
-          <a:off x="0" y="0"/>
-          <a:ext cx="0" cy="0"/>
-          <a:chOff x="0" y="0"/>
-          <a:chExt cx="0" cy="0"/>
-        </a:xfrm>
-      </p:grpSpPr>
-    </p:spTree>
-    <p:extLst>
-      <p:ext uri="{BB962C8B-B14F-4D97-AF65-F5344CB8AC3E}">
-        <p14:creationId xmlns:p14="http://schemas.microsoft.com/office/powerpoint/2010/main" val="2336894677"/>
-      </p:ext>
-    </p:extLst>
-  </p:cSld>
-  <p:clrMapOvr>
-    <a:overrideClrMapping bg1="dk1" tx1="lt1" bg2="dk2" tx2="lt2" accent1="accent1" accent2="accent2" accent3="accent3" accent4="accent4" accent5="accent5" accent6="accent6" hlink="hlink" folHlink="folHlink"/>
-  </p:clrMapOvr>
-  <mc:AlternateContent xmlns:mc="http://schemas.openxmlformats.org/markup-compatibility/2006" xmlns:p14="http://schemas.microsoft.com/office/powerpoint/2010/main">
-    <mc:Choice Requires="p14">
-      <p:transition spd="med" p14:dur="700">
-        <p:fade/>
-      </p:transition>
-    </mc:Choice>
-    <mc:Fallback xmlns="">
-      <p:transition spd="med">
-        <p:fade/>
-      </p:transition>
-    </mc:Fallback>
-  </mc:AlternateContent>
-</p:sldLayout>
-</file>
-
-<file path=ppt/slideLayouts/slideLayout31.xml><?xml version="1.0" encoding="utf-8"?>
-<p:sldLayout xmlns:a="http://schemas.openxmlformats.org/drawingml/2006/main" xmlns:r="http://schemas.openxmlformats.org/officeDocument/2006/relationships" xmlns:p="http://schemas.openxmlformats.org/presentationml/2006/main" preserve="1" userDrawn="1">
   <p:cSld name="1_Section Title">
     <p:bg>
       <p:bgPr>
@@ -13377,7 +13298,7 @@
 </p:sldLayout>
 </file>
 
-<file path=ppt/slideLayouts/slideLayout32.xml><?xml version="1.0" encoding="utf-8"?>
+<file path=ppt/slideLayouts/slideLayout31.xml><?xml version="1.0" encoding="utf-8"?>
 <p:sldLayout xmlns:a="http://schemas.openxmlformats.org/drawingml/2006/main" xmlns:r="http://schemas.openxmlformats.org/officeDocument/2006/relationships" xmlns:p="http://schemas.openxmlformats.org/presentationml/2006/main" preserve="1" userDrawn="1">
   <p:cSld name="Evaluation Slide">
     <p:spTree>
@@ -13535,7 +13456,7 @@
 </p:sldLayout>
 </file>
 
-<file path=ppt/slideLayouts/slideLayout33.xml><?xml version="1.0" encoding="utf-8"?>
+<file path=ppt/slideLayouts/slideLayout32.xml><?xml version="1.0" encoding="utf-8"?>
 <p:sldLayout xmlns:a="http://schemas.openxmlformats.org/drawingml/2006/main" xmlns:r="http://schemas.openxmlformats.org/officeDocument/2006/relationships" xmlns:p="http://schemas.openxmlformats.org/presentationml/2006/main" preserve="1" userDrawn="1">
   <p:cSld name="Developer Code Layout">
     <p:spTree>
@@ -13823,7 +13744,7 @@
 </p:sldLayout>
 </file>
 
-<file path=ppt/slideLayouts/slideLayout34.xml><?xml version="1.0" encoding="utf-8"?>
+<file path=ppt/slideLayouts/slideLayout33.xml><?xml version="1.0" encoding="utf-8"?>
 <p:sldLayout xmlns:a="http://schemas.openxmlformats.org/drawingml/2006/main" xmlns:r="http://schemas.openxmlformats.org/officeDocument/2006/relationships" xmlns:p="http://schemas.openxmlformats.org/presentationml/2006/main" preserve="1" userDrawn="1">
   <p:cSld name="Closing logo slide">
     <p:bg>
@@ -13952,7 +13873,7 @@
 </p:sldLayout>
 </file>
 
-<file path=ppt/slideLayouts/slideLayout35.xml><?xml version="1.0" encoding="utf-8"?>
+<file path=ppt/slideLayouts/slideLayout34.xml><?xml version="1.0" encoding="utf-8"?>
 <p:sldLayout xmlns:a="http://schemas.openxmlformats.org/drawingml/2006/main" xmlns:r="http://schemas.openxmlformats.org/officeDocument/2006/relationships" xmlns:p="http://schemas.openxmlformats.org/presentationml/2006/main" preserve="1" userDrawn="1">
   <p:cSld name="Black Notes slide Layout">
     <p:bg bwMode="black">
@@ -14281,7 +14202,7 @@
 </p:sldLayout>
 </file>
 
-<file path=ppt/slideLayouts/slideLayout36.xml><?xml version="1.0" encoding="utf-8"?>
+<file path=ppt/slideLayouts/slideLayout35.xml><?xml version="1.0" encoding="utf-8"?>
 <p:sldLayout xmlns:a="http://schemas.openxmlformats.org/drawingml/2006/main" xmlns:r="http://schemas.openxmlformats.org/officeDocument/2006/relationships" xmlns:p="http://schemas.openxmlformats.org/presentationml/2006/main" userDrawn="1">
   <p:cSld name="Empty">
     <p:spTree>
@@ -14353,7 +14274,7 @@
 </p:sldLayout>
 </file>
 
-<file path=ppt/slideLayouts/slideLayout37.xml><?xml version="1.0" encoding="utf-8"?>
+<file path=ppt/slideLayouts/slideLayout36.xml><?xml version="1.0" encoding="utf-8"?>
 <p:sldLayout xmlns:a="http://schemas.openxmlformats.org/drawingml/2006/main" xmlns:r="http://schemas.openxmlformats.org/officeDocument/2006/relationships" xmlns:p="http://schemas.openxmlformats.org/presentationml/2006/main" userDrawn="1">
   <p:cSld name="1_Title only">
     <p:spTree>
@@ -19412,7 +19333,6 @@
     <p:sldLayoutId id="2147483680" r:id="rId14"/>
     <p:sldLayoutId id="2147483681" r:id="rId15"/>
     <p:sldLayoutId id="2147483682" r:id="rId16"/>
-    <p:sldLayoutId id="2147483709" r:id="rId17"/>
   </p:sldLayoutIdLst>
   <p:hf hdr="0" ftr="0"/>
   <p:txStyles>
@@ -19783,30 +19703,6 @@
           </a:p>
         </p:txBody>
       </p:sp>
-      <p:pic>
-        <p:nvPicPr>
-          <p:cNvPr id="5" name="Picture 4"/>
-          <p:cNvPicPr>
-            <a:picLocks noChangeAspect="1"/>
-          </p:cNvPicPr>
-          <p:nvPr userDrawn="1"/>
-        </p:nvPicPr>
-        <p:blipFill>
-          <a:blip r:embed="rId22"/>
-          <a:stretch>
-            <a:fillRect/>
-          </a:stretch>
-        </p:blipFill>
-        <p:spPr>
-          <a:xfrm rot="5400000">
-            <a:off x="6890309" y="2259293"/>
-            <a:ext cx="5143967" cy="624914"/>
-          </a:xfrm>
-          <a:prstGeom prst="rect">
-            <a:avLst/>
-          </a:prstGeom>
-        </p:spPr>
-      </p:pic>
     </p:spTree>
     <p:extLst>
       <p:ext uri="{BB962C8B-B14F-4D97-AF65-F5344CB8AC3E}">
@@ -34456,7 +34352,7 @@
         </p:nvSpPr>
         <p:spPr>
           <a:xfrm>
-            <a:off x="-104751" y="2593878"/>
+            <a:off x="-108520" y="3147814"/>
             <a:ext cx="8738902" cy="1601562"/>
           </a:xfrm>
         </p:spPr>
@@ -34486,7 +34382,7 @@
         </p:nvGrpSpPr>
         <p:grpSpPr>
           <a:xfrm>
-            <a:off x="2452057" y="1045587"/>
+            <a:off x="467544" y="987574"/>
             <a:ext cx="3625470" cy="1340945"/>
             <a:chOff x="2667997" y="1630286"/>
             <a:chExt cx="4931590" cy="1824037"/>
@@ -34533,7 +34429,7 @@
           <p:spPr bwMode="auto">
             <a:xfrm>
               <a:off x="2667997" y="1630286"/>
-              <a:ext cx="1811821" cy="1824037"/>
+              <a:ext cx="1811820" cy="1824037"/>
             </a:xfrm>
             <a:prstGeom prst="rect">
               <a:avLst/>
@@ -34612,6 +34508,53 @@
           </p:txBody>
         </p:sp>
       </p:grpSp>
+      <p:pic>
+        <p:nvPicPr>
+          <p:cNvPr id="1026" name="Picture 2" descr="https://www.visualstudio.com/wp-content/uploads/2017/06/Visual-Studio-Team-Services.png">
+            <a:extLst>
+              <a:ext uri="{FF2B5EF4-FFF2-40B4-BE49-F238E27FC236}">
+                <a16:creationId xmlns:a16="http://schemas.microsoft.com/office/drawing/2014/main" id="{4D46D358-EC38-4939-9CDE-6878D71DB848}"/>
+              </a:ext>
+            </a:extLst>
+          </p:cNvPr>
+          <p:cNvPicPr>
+            <a:picLocks noChangeAspect="1" noChangeArrowheads="1"/>
+          </p:cNvPicPr>
+          <p:nvPr/>
+        </p:nvPicPr>
+        <p:blipFill>
+          <a:blip r:embed="rId5" cstate="print">
+            <a:extLst>
+              <a:ext uri="{28A0092B-C50C-407E-A947-70E740481C1C}">
+                <a14:useLocalDpi xmlns:a14="http://schemas.microsoft.com/office/drawing/2010/main" val="0"/>
+              </a:ext>
+            </a:extLst>
+          </a:blip>
+          <a:srcRect/>
+          <a:stretch>
+            <a:fillRect/>
+          </a:stretch>
+        </p:blipFill>
+        <p:spPr bwMode="auto">
+          <a:xfrm>
+            <a:off x="4427984" y="483518"/>
+            <a:ext cx="4283968" cy="2238671"/>
+          </a:xfrm>
+          <a:prstGeom prst="rect">
+            <a:avLst/>
+          </a:prstGeom>
+          <a:noFill/>
+          <a:extLst>
+            <a:ext uri="{909E8E84-426E-40DD-AFC4-6F175D3DCCD1}">
+              <a14:hiddenFill xmlns:a14="http://schemas.microsoft.com/office/drawing/2010/main">
+                <a:solidFill>
+                  <a:srgbClr val="FFFFFF"/>
+                </a:solidFill>
+              </a14:hiddenFill>
+            </a:ext>
+          </a:extLst>
+        </p:spPr>
+      </p:pic>
     </p:spTree>
     <p:extLst>
       <p:ext uri="{BB962C8B-B14F-4D97-AF65-F5344CB8AC3E}">
@@ -34622,8 +34565,8 @@
   <p:clrMapOvr>
     <a:masterClrMapping/>
   </p:clrMapOvr>
-  <p:transition>
-    <p:fade/>
+  <p:transition spd="slow">
+    <p:push/>
   </p:transition>
 </p:sld>
 </file>

--- a/slides/01.01-intelligent-apps.pptx
+++ b/slides/01.01-intelligent-apps.pptx
@@ -4244,7 +4244,7 @@
                 <a:tabLst/>
                 <a:defRPr/>
               </a:pPr>
-              <a:t>10/17/2017 2:10 PM</a:t>
+              <a:t>10/17/2017 2:25 PM</a:t>
             </a:fld>
             <a:endParaRPr kumimoji="0" lang="en-US" sz="1200" b="0" i="0" u="none" strike="noStrike" kern="1200" cap="none" spc="0" normalizeH="0" baseline="0" noProof="0">
               <a:ln>
@@ -4403,58 +4403,6 @@
           <a:bodyPr/>
           <a:lstStyle/>
           <a:p>
-            <a:r>
-              <a:rPr lang="de-AT" dirty="0" err="1"/>
-              <a:t>Speak</a:t>
-            </a:r>
-            <a:r>
-              <a:rPr lang="de-AT" dirty="0"/>
-              <a:t> </a:t>
-            </a:r>
-            <a:r>
-              <a:rPr lang="de-AT" dirty="0" err="1"/>
-              <a:t>about</a:t>
-            </a:r>
-            <a:r>
-              <a:rPr lang="de-AT" dirty="0"/>
-              <a:t> </a:t>
-            </a:r>
-            <a:r>
-              <a:rPr lang="de-AT" dirty="0" err="1"/>
-              <a:t>how</a:t>
-            </a:r>
-            <a:r>
-              <a:rPr lang="de-AT" dirty="0"/>
-              <a:t> Microsoft </a:t>
-            </a:r>
-            <a:r>
-              <a:rPr lang="de-AT" dirty="0" err="1"/>
-              <a:t>is</a:t>
-            </a:r>
-            <a:r>
-              <a:rPr lang="de-AT" dirty="0"/>
-              <a:t> </a:t>
-            </a:r>
-            <a:r>
-              <a:rPr lang="de-AT" dirty="0" err="1"/>
-              <a:t>changing</a:t>
-            </a:r>
-            <a:r>
-              <a:rPr lang="de-AT" dirty="0"/>
-              <a:t> </a:t>
-            </a:r>
-            <a:r>
-              <a:rPr lang="de-AT" dirty="0" err="1"/>
-              <a:t>towards</a:t>
-            </a:r>
-            <a:r>
-              <a:rPr lang="de-AT" dirty="0"/>
-              <a:t> Open Source and Cross </a:t>
-            </a:r>
-            <a:r>
-              <a:rPr lang="de-AT" dirty="0" err="1"/>
-              <a:t>Platform</a:t>
-            </a:r>
             <a:endParaRPr lang="de-AT" dirty="0"/>
           </a:p>
         </p:txBody>
@@ -4557,50 +4505,6 @@
               <a:tabLst/>
               <a:defRPr/>
             </a:pPr>
-            <a:r>
-              <a:rPr lang="de-AT" dirty="0" err="1"/>
-              <a:t>If</a:t>
-            </a:r>
-            <a:r>
-              <a:rPr lang="de-AT" dirty="0"/>
-              <a:t> </a:t>
-            </a:r>
-            <a:r>
-              <a:rPr lang="de-AT" dirty="0" err="1"/>
-              <a:t>you</a:t>
-            </a:r>
-            <a:r>
-              <a:rPr lang="de-AT" dirty="0"/>
-              <a:t> </a:t>
-            </a:r>
-            <a:r>
-              <a:rPr lang="de-AT" dirty="0" err="1"/>
-              <a:t>have</a:t>
-            </a:r>
-            <a:r>
-              <a:rPr lang="de-AT" dirty="0"/>
-              <a:t> time, </a:t>
-            </a:r>
-            <a:r>
-              <a:rPr lang="de-AT" dirty="0" err="1"/>
-              <a:t>show</a:t>
-            </a:r>
-            <a:r>
-              <a:rPr lang="de-AT" dirty="0"/>
-              <a:t> quick </a:t>
-            </a:r>
-            <a:r>
-              <a:rPr lang="de-AT" dirty="0" err="1"/>
-              <a:t>demos</a:t>
-            </a:r>
-            <a:r>
-              <a:rPr lang="de-AT" dirty="0"/>
-              <a:t> </a:t>
-            </a:r>
-            <a:r>
-              <a:rPr lang="en-US" dirty="0"/>
-              <a:t>for the areas of change mentioned on the previous slide</a:t>
-            </a:r>
             <a:endParaRPr lang="de-AT" dirty="0"/>
           </a:p>
         </p:txBody>
@@ -4778,7 +4682,7 @@
                 <a:tabLst/>
                 <a:defRPr/>
               </a:pPr>
-              <a:t>10/17/2017 2:10 PM</a:t>
+              <a:t>10/17/2017 2:25 PM</a:t>
             </a:fld>
             <a:endParaRPr kumimoji="0" lang="en-US" sz="1200" b="0" i="0" u="none" strike="noStrike" kern="1200" cap="none" spc="0" normalizeH="0" baseline="0" noProof="0">
               <a:ln>
@@ -5199,7 +5103,7 @@
                 <a:tabLst/>
                 <a:defRPr/>
               </a:pPr>
-              <a:t>10/17/2017 2:11 PM</a:t>
+              <a:t>10/17/2017 2:25 PM</a:t>
             </a:fld>
             <a:endParaRPr kumimoji="0" lang="en-US" sz="1200" b="0" i="0" u="none" strike="noStrike" kern="1200" cap="none" spc="0" normalizeH="0" baseline="0" noProof="0">
               <a:ln>
@@ -33425,14 +33329,14 @@
           <p:nvPr/>
         </p:nvPicPr>
         <p:blipFill rotWithShape="1">
-          <a:blip r:embed="rId2">
+          <a:blip r:embed="rId2" cstate="print">
             <a:extLst>
               <a:ext uri="{28A0092B-C50C-407E-A947-70E740481C1C}">
                 <a14:useLocalDpi xmlns:a14="http://schemas.microsoft.com/office/drawing/2010/main" val="0"/>
               </a:ext>
             </a:extLst>
           </a:blip>
-          <a:srcRect t="10334"/>
+          <a:srcRect/>
           <a:stretch/>
         </p:blipFill>
         <p:spPr>
